--- a/Images/Figures_To_Review/PieCharts_Metabolic/ALL/PieWithRAPTORv2.pptx
+++ b/Images/Figures_To_Review/PieCharts_Metabolic/ALL/PieWithRAPTORv2.pptx
@@ -307,7 +307,7 @@
           <a:p>
             <a:fld id="{E6744CE3-0875-4B69-89C0-6F72D8139561}" type="datetimeFigureOut">
               <a:rPr lang="en-GB" smtClean="0"/>
-              <a:t>14/05/2025</a:t>
+              <a:t>15/05/2025</a:t>
             </a:fld>
             <a:endParaRPr lang="en-GB"/>
           </a:p>
@@ -477,7 +477,7 @@
           <a:p>
             <a:fld id="{E6744CE3-0875-4B69-89C0-6F72D8139561}" type="datetimeFigureOut">
               <a:rPr lang="en-GB" smtClean="0"/>
-              <a:t>14/05/2025</a:t>
+              <a:t>15/05/2025</a:t>
             </a:fld>
             <a:endParaRPr lang="en-GB"/>
           </a:p>
@@ -723,7 +723,7 @@
           <a:p>
             <a:fld id="{E6744CE3-0875-4B69-89C0-6F72D8139561}" type="datetimeFigureOut">
               <a:rPr lang="en-GB" smtClean="0"/>
-              <a:t>14/05/2025</a:t>
+              <a:t>15/05/2025</a:t>
             </a:fld>
             <a:endParaRPr lang="en-GB"/>
           </a:p>
@@ -1011,7 +1011,7 @@
           <a:p>
             <a:fld id="{E6744CE3-0875-4B69-89C0-6F72D8139561}" type="datetimeFigureOut">
               <a:rPr lang="en-GB" smtClean="0"/>
-              <a:t>14/05/2025</a:t>
+              <a:t>15/05/2025</a:t>
             </a:fld>
             <a:endParaRPr lang="en-GB"/>
           </a:p>
@@ -1433,7 +1433,7 @@
           <a:p>
             <a:fld id="{E6744CE3-0875-4B69-89C0-6F72D8139561}" type="datetimeFigureOut">
               <a:rPr lang="en-GB" smtClean="0"/>
-              <a:t>14/05/2025</a:t>
+              <a:t>15/05/2025</a:t>
             </a:fld>
             <a:endParaRPr lang="en-GB"/>
           </a:p>
@@ -1551,7 +1551,7 @@
           <a:p>
             <a:fld id="{E6744CE3-0875-4B69-89C0-6F72D8139561}" type="datetimeFigureOut">
               <a:rPr lang="en-GB" smtClean="0"/>
-              <a:t>14/05/2025</a:t>
+              <a:t>15/05/2025</a:t>
             </a:fld>
             <a:endParaRPr lang="en-GB"/>
           </a:p>
@@ -1646,7 +1646,7 @@
           <a:p>
             <a:fld id="{E6744CE3-0875-4B69-89C0-6F72D8139561}" type="datetimeFigureOut">
               <a:rPr lang="en-GB" smtClean="0"/>
-              <a:t>14/05/2025</a:t>
+              <a:t>15/05/2025</a:t>
             </a:fld>
             <a:endParaRPr lang="en-GB"/>
           </a:p>
@@ -1859,7 +1859,7 @@
           <a:p>
             <a:fld id="{E6744CE3-0875-4B69-89C0-6F72D8139561}" type="datetimeFigureOut">
               <a:rPr lang="en-GB" smtClean="0"/>
-              <a:t>14/05/2025</a:t>
+              <a:t>15/05/2025</a:t>
             </a:fld>
             <a:endParaRPr lang="en-GB"/>
           </a:p>
@@ -4158,7 +4158,7 @@
           </p:nvSpPr>
           <p:spPr>
             <a:xfrm>
-              <a:off x="3061670" y="1254251"/>
+              <a:off x="3529987" y="1274805"/>
               <a:ext cx="2121202" cy="203471"/>
             </a:xfrm>
             <a:prstGeom prst="rect">
@@ -4182,7 +4182,7 @@
                 </a:spcAft>
               </a:pPr>
               <a:r>
-                <a:rPr sz="1707" dirty="0" err="1">
+                <a:rPr sz="1200" dirty="0" err="1">
                   <a:solidFill>
                     <a:srgbClr val="000000">
                       <a:alpha val="100000"/>
@@ -4194,7 +4194,7 @@
                 <a:t>Streptophyta</a:t>
               </a:r>
               <a:r>
-                <a:rPr sz="1707" dirty="0">
+                <a:rPr sz="1200" dirty="0">
                   <a:solidFill>
                     <a:srgbClr val="000000">
                       <a:alpha val="100000"/>
@@ -4216,7 +4216,7 @@
           </p:nvSpPr>
           <p:spPr>
             <a:xfrm>
-              <a:off x="3738634" y="1548906"/>
+              <a:off x="3720760" y="1478277"/>
               <a:ext cx="855806" cy="163560"/>
             </a:xfrm>
             <a:prstGeom prst="rect">
@@ -4240,7 +4240,7 @@
                 </a:spcAft>
               </a:pPr>
               <a:r>
-                <a:rPr sz="1707" dirty="0">
+                <a:rPr sz="1200" dirty="0">
                   <a:solidFill>
                     <a:srgbClr val="000000">
                       <a:alpha val="100000"/>
@@ -4262,7 +4262,7 @@
           </p:nvSpPr>
           <p:spPr>
             <a:xfrm>
-              <a:off x="5825501" y="1243018"/>
+              <a:off x="6071262" y="1278197"/>
               <a:ext cx="1566579" cy="157737"/>
             </a:xfrm>
             <a:prstGeom prst="rect">
@@ -4286,7 +4286,7 @@
                 </a:spcAft>
               </a:pPr>
               <a:r>
-                <a:rPr sz="1707" dirty="0">
+                <a:rPr sz="1200" dirty="0">
                   <a:solidFill>
                     <a:srgbClr val="000000">
                       <a:alpha val="100000"/>
@@ -4308,7 +4308,7 @@
           </p:nvSpPr>
           <p:spPr>
             <a:xfrm>
-              <a:off x="6132132" y="1459331"/>
+              <a:off x="6136914" y="1431893"/>
               <a:ext cx="855806" cy="163560"/>
             </a:xfrm>
             <a:prstGeom prst="rect">
@@ -4332,7 +4332,7 @@
                 </a:spcAft>
               </a:pPr>
               <a:r>
-                <a:rPr sz="1707" dirty="0">
+                <a:rPr sz="1200" dirty="0">
                   <a:solidFill>
                     <a:srgbClr val="000000">
                       <a:alpha val="100000"/>
@@ -4354,7 +4354,7 @@
           </p:nvSpPr>
           <p:spPr>
             <a:xfrm>
-              <a:off x="7427339" y="1612843"/>
+              <a:off x="7855894" y="1641797"/>
               <a:ext cx="2036510" cy="157737"/>
             </a:xfrm>
             <a:prstGeom prst="rect">
@@ -4378,7 +4378,7 @@
                 </a:spcAft>
               </a:pPr>
               <a:r>
-                <a:rPr sz="1707" dirty="0">
+                <a:rPr sz="1200" dirty="0">
                   <a:solidFill>
                     <a:srgbClr val="000000">
                       <a:alpha val="100000"/>
@@ -4424,7 +4424,7 @@
                 </a:spcAft>
               </a:pPr>
               <a:r>
-                <a:rPr sz="1707" dirty="0">
+                <a:rPr sz="1200" dirty="0">
                   <a:solidFill>
                     <a:srgbClr val="000000">
                       <a:alpha val="100000"/>
@@ -4446,7 +4446,7 @@
           </p:nvSpPr>
           <p:spPr>
             <a:xfrm>
-              <a:off x="8213321" y="2215647"/>
+              <a:off x="8368065" y="2304100"/>
               <a:ext cx="1012168" cy="198283"/>
             </a:xfrm>
             <a:prstGeom prst="rect">
@@ -4470,6 +4470,18 @@
                 </a:spcAft>
               </a:pPr>
               <a:r>
+                <a:rPr sz="1200" dirty="0">
+                  <a:solidFill>
+                    <a:srgbClr val="000000">
+                      <a:alpha val="100000"/>
+                    </a:srgbClr>
+                  </a:solidFill>
+                  <a:latin typeface="Arial"/>
+                  <a:cs typeface="Arial"/>
+                </a:rPr>
+                <a:t>Mixotroph</a:t>
+              </a:r>
+              <a:r>
                 <a:rPr sz="1707" dirty="0">
                   <a:solidFill>
                     <a:srgbClr val="000000">
@@ -4479,7 +4491,7 @@
                   <a:latin typeface="Arial"/>
                   <a:cs typeface="Arial"/>
                 </a:rPr>
-                <a:t>Mixotroph </a:t>
+                <a:t> </a:t>
               </a:r>
             </a:p>
           </p:txBody>
@@ -4516,7 +4528,7 @@
                 </a:spcAft>
               </a:pPr>
               <a:r>
-                <a:rPr sz="1707" dirty="0">
+                <a:rPr sz="1200" dirty="0">
                   <a:solidFill>
                     <a:srgbClr val="000000">
                       <a:alpha val="100000"/>
@@ -4562,6 +4574,18 @@
                 </a:spcAft>
               </a:pPr>
               <a:r>
+                <a:rPr sz="1200" dirty="0">
+                  <a:solidFill>
+                    <a:srgbClr val="000000">
+                      <a:alpha val="100000"/>
+                    </a:srgbClr>
+                  </a:solidFill>
+                  <a:latin typeface="Arial"/>
+                  <a:cs typeface="Arial"/>
+                </a:rPr>
+                <a:t>Heterotroph</a:t>
+              </a:r>
+              <a:r>
                 <a:rPr sz="1707" dirty="0">
                   <a:solidFill>
                     <a:srgbClr val="000000">
@@ -4571,7 +4595,7 @@
                   <a:latin typeface="Arial"/>
                   <a:cs typeface="Arial"/>
                 </a:rPr>
-                <a:t>Heterotroph </a:t>
+                <a:t> </a:t>
               </a:r>
             </a:p>
           </p:txBody>
@@ -4584,7 +4608,7 @@
           </p:nvSpPr>
           <p:spPr>
             <a:xfrm>
-              <a:off x="6710382" y="3563678"/>
+              <a:off x="6619920" y="3518781"/>
               <a:ext cx="855806" cy="163560"/>
             </a:xfrm>
             <a:prstGeom prst="rect">
@@ -4608,7 +4632,7 @@
                 </a:spcAft>
               </a:pPr>
               <a:r>
-                <a:rPr sz="1707" dirty="0">
+                <a:rPr sz="1200" dirty="0">
                   <a:solidFill>
                     <a:srgbClr val="000000">
                       <a:alpha val="100000"/>
@@ -4654,7 +4678,7 @@
                 </a:spcAft>
               </a:pPr>
               <a:r>
-                <a:rPr sz="1707">
+                <a:rPr sz="1200" dirty="0">
                   <a:solidFill>
                     <a:srgbClr val="000000">
                       <a:alpha val="100000"/>
@@ -4663,7 +4687,19 @@
                   <a:latin typeface="Arial"/>
                   <a:cs typeface="Arial"/>
                 </a:rPr>
-                <a:t>Autotrophic </a:t>
+                <a:t>Autotrophic</a:t>
+              </a:r>
+              <a:r>
+                <a:rPr sz="1707" dirty="0">
+                  <a:solidFill>
+                    <a:srgbClr val="000000">
+                      <a:alpha val="100000"/>
+                    </a:srgbClr>
+                  </a:solidFill>
+                  <a:latin typeface="Arial"/>
+                  <a:cs typeface="Arial"/>
+                </a:rPr>
+                <a:t> </a:t>
               </a:r>
             </a:p>
           </p:txBody>
@@ -4676,7 +4712,7 @@
           </p:nvSpPr>
           <p:spPr>
             <a:xfrm>
-              <a:off x="4482021" y="4935443"/>
+              <a:off x="4391719" y="4786796"/>
               <a:ext cx="976386" cy="163560"/>
             </a:xfrm>
             <a:prstGeom prst="rect">
@@ -4700,7 +4736,7 @@
                 </a:spcAft>
               </a:pPr>
               <a:r>
-                <a:rPr sz="1707">
+                <a:rPr sz="1200" dirty="0">
                   <a:solidFill>
                     <a:srgbClr val="000000">
                       <a:alpha val="100000"/>
@@ -4746,7 +4782,7 @@
                 </a:spcAft>
               </a:pPr>
               <a:r>
-                <a:rPr sz="1320" dirty="0">
+                <a:rPr sz="1200" dirty="0">
                   <a:solidFill>
                     <a:srgbClr val="000000">
                       <a:alpha val="100000"/>
@@ -4757,7 +4793,7 @@
                 </a:rPr>
                 <a:t>Metabolic Strategy Breakdown of Organisms</a:t>
               </a:r>
-              <a:endParaRPr lang="en-US" sz="1320" dirty="0">
+              <a:endParaRPr lang="en-US" sz="1200" dirty="0">
                 <a:solidFill>
                   <a:srgbClr val="000000">
                     <a:alpha val="100000"/>
@@ -4780,7 +4816,7 @@
                 </a:spcAft>
               </a:pPr>
               <a:r>
-                <a:rPr sz="1320" dirty="0">
+                <a:rPr sz="1200" dirty="0">
                   <a:solidFill>
                     <a:srgbClr val="000000">
                       <a:alpha val="100000"/>
@@ -4811,7 +4847,7 @@
         </p:nvCxnSpPr>
         <p:spPr>
           <a:xfrm>
-            <a:off x="3252137" y="1026666"/>
+            <a:off x="3234263" y="956037"/>
             <a:ext cx="1380267" cy="602322"/>
           </a:xfrm>
           <a:prstGeom prst="straightConnector1">
@@ -4855,7 +4891,7 @@
         </p:nvCxnSpPr>
         <p:spPr>
           <a:xfrm flipH="1">
-            <a:off x="4692808" y="937091"/>
+            <a:off x="4697590" y="909653"/>
             <a:ext cx="952827" cy="351213"/>
           </a:xfrm>
           <a:prstGeom prst="straightConnector1">
